--- a/a/forzaklogo.pptx
+++ b/a/forzaklogo.pptx
@@ -6,7 +6,11 @@
   </p:sldMasterIdLst>
   <p:sldIdLst>
     <p:sldId id="257" r:id="rId2"/>
-    <p:sldId id="256" r:id="rId3"/>
+    <p:sldId id="258" r:id="rId3"/>
+    <p:sldId id="259" r:id="rId4"/>
+    <p:sldId id="260" r:id="rId5"/>
+    <p:sldId id="256" r:id="rId6"/>
+    <p:sldId id="261" r:id="rId7"/>
   </p:sldIdLst>
   <p:sldSz cx="2879725" cy="1439863"/>
   <p:notesSz cx="6858000" cy="9144000"/>
@@ -244,7 +248,7 @@
           <a:p>
             <a:fld id="{4334B43B-5522-4213-BC3C-E07123638726}" type="datetimeFigureOut">
               <a:rPr lang="ru-RU" smtClean="0"/>
-              <a:t>13.11.2017</a:t>
+              <a:t>18.11.2017</a:t>
             </a:fld>
             <a:endParaRPr lang="ru-RU"/>
           </a:p>
@@ -414,7 +418,7 @@
           <a:p>
             <a:fld id="{4334B43B-5522-4213-BC3C-E07123638726}" type="datetimeFigureOut">
               <a:rPr lang="ru-RU" smtClean="0"/>
-              <a:t>13.11.2017</a:t>
+              <a:t>18.11.2017</a:t>
             </a:fld>
             <a:endParaRPr lang="ru-RU"/>
           </a:p>
@@ -594,7 +598,7 @@
           <a:p>
             <a:fld id="{4334B43B-5522-4213-BC3C-E07123638726}" type="datetimeFigureOut">
               <a:rPr lang="ru-RU" smtClean="0"/>
-              <a:t>13.11.2017</a:t>
+              <a:t>18.11.2017</a:t>
             </a:fld>
             <a:endParaRPr lang="ru-RU"/>
           </a:p>
@@ -764,7 +768,7 @@
           <a:p>
             <a:fld id="{4334B43B-5522-4213-BC3C-E07123638726}" type="datetimeFigureOut">
               <a:rPr lang="ru-RU" smtClean="0"/>
-              <a:t>13.11.2017</a:t>
+              <a:t>18.11.2017</a:t>
             </a:fld>
             <a:endParaRPr lang="ru-RU"/>
           </a:p>
@@ -1010,7 +1014,7 @@
           <a:p>
             <a:fld id="{4334B43B-5522-4213-BC3C-E07123638726}" type="datetimeFigureOut">
               <a:rPr lang="ru-RU" smtClean="0"/>
-              <a:t>13.11.2017</a:t>
+              <a:t>18.11.2017</a:t>
             </a:fld>
             <a:endParaRPr lang="ru-RU"/>
           </a:p>
@@ -1242,7 +1246,7 @@
           <a:p>
             <a:fld id="{4334B43B-5522-4213-BC3C-E07123638726}" type="datetimeFigureOut">
               <a:rPr lang="ru-RU" smtClean="0"/>
-              <a:t>13.11.2017</a:t>
+              <a:t>18.11.2017</a:t>
             </a:fld>
             <a:endParaRPr lang="ru-RU"/>
           </a:p>
@@ -1609,7 +1613,7 @@
           <a:p>
             <a:fld id="{4334B43B-5522-4213-BC3C-E07123638726}" type="datetimeFigureOut">
               <a:rPr lang="ru-RU" smtClean="0"/>
-              <a:t>13.11.2017</a:t>
+              <a:t>18.11.2017</a:t>
             </a:fld>
             <a:endParaRPr lang="ru-RU"/>
           </a:p>
@@ -1727,7 +1731,7 @@
           <a:p>
             <a:fld id="{4334B43B-5522-4213-BC3C-E07123638726}" type="datetimeFigureOut">
               <a:rPr lang="ru-RU" smtClean="0"/>
-              <a:t>13.11.2017</a:t>
+              <a:t>18.11.2017</a:t>
             </a:fld>
             <a:endParaRPr lang="ru-RU"/>
           </a:p>
@@ -1822,7 +1826,7 @@
           <a:p>
             <a:fld id="{4334B43B-5522-4213-BC3C-E07123638726}" type="datetimeFigureOut">
               <a:rPr lang="ru-RU" smtClean="0"/>
-              <a:t>13.11.2017</a:t>
+              <a:t>18.11.2017</a:t>
             </a:fld>
             <a:endParaRPr lang="ru-RU"/>
           </a:p>
@@ -2099,7 +2103,7 @@
           <a:p>
             <a:fld id="{4334B43B-5522-4213-BC3C-E07123638726}" type="datetimeFigureOut">
               <a:rPr lang="ru-RU" smtClean="0"/>
-              <a:t>13.11.2017</a:t>
+              <a:t>18.11.2017</a:t>
             </a:fld>
             <a:endParaRPr lang="ru-RU"/>
           </a:p>
@@ -2356,7 +2360,7 @@
           <a:p>
             <a:fld id="{4334B43B-5522-4213-BC3C-E07123638726}" type="datetimeFigureOut">
               <a:rPr lang="ru-RU" smtClean="0"/>
-              <a:t>13.11.2017</a:t>
+              <a:t>18.11.2017</a:t>
             </a:fld>
             <a:endParaRPr lang="ru-RU"/>
           </a:p>
@@ -2569,7 +2573,7 @@
           <a:p>
             <a:fld id="{4334B43B-5522-4213-BC3C-E07123638726}" type="datetimeFigureOut">
               <a:rPr lang="ru-RU" smtClean="0"/>
-              <a:t>13.11.2017</a:t>
+              <a:t>18.11.2017</a:t>
             </a:fld>
             <a:endParaRPr lang="ru-RU"/>
           </a:p>
@@ -2974,47 +2978,8 @@
           <a:chExt cx="0" cy="0"/>
         </a:xfrm>
       </p:grpSpPr>
-      <p:pic>
-        <p:nvPicPr>
-          <p:cNvPr id="1026" name="Picture 2" descr="http://citycelebrity.ru/userfiles/Favorite-V3-RU-Color.jpg"/>
-          <p:cNvPicPr>
-            <a:picLocks noChangeAspect="1" noChangeArrowheads="1"/>
-          </p:cNvPicPr>
-          <p:nvPr/>
-        </p:nvPicPr>
-        <p:blipFill rotWithShape="1">
-          <a:blip r:embed="rId2">
-            <a:extLst>
-              <a:ext uri="{28A0092B-C50C-407E-A947-70E740481C1C}">
-                <a14:useLocalDpi xmlns:a14="http://schemas.microsoft.com/office/drawing/2010/main" val="0"/>
-              </a:ext>
-            </a:extLst>
-          </a:blip>
-          <a:srcRect r="82941"/>
-          <a:stretch/>
-        </p:blipFill>
-        <p:spPr bwMode="auto">
-          <a:xfrm>
-            <a:off x="62739" y="59377"/>
-            <a:ext cx="889267" cy="973597"/>
-          </a:xfrm>
-          <a:prstGeom prst="rect">
-            <a:avLst/>
-          </a:prstGeom>
-          <a:noFill/>
-          <a:extLst>
-            <a:ext uri="{909E8E84-426E-40DD-AFC4-6F175D3DCCD1}">
-              <a14:hiddenFill xmlns:a14="http://schemas.microsoft.com/office/drawing/2010/main">
-                <a:solidFill>
-                  <a:srgbClr val="FFFFFF"/>
-                </a:solidFill>
-              </a14:hiddenFill>
-            </a:ext>
-          </a:extLst>
-        </p:spPr>
-      </p:pic>
-      <mc:AlternateContent xmlns:mc="http://schemas.openxmlformats.org/markup-compatibility/2006">
-        <mc:Choice xmlns:pslz="http://schemas.microsoft.com/office/powerpoint/2016/slidezoom" Requires="pslz">
+      <mc:AlternateContent xmlns:mc="http://schemas.openxmlformats.org/markup-compatibility/2006" xmlns:pslz="http://schemas.microsoft.com/office/powerpoint/2016/slidezoom">
+        <mc:Choice Requires="pslz">
           <p:graphicFrame>
             <p:nvGraphicFramePr>
               <p:cNvPr id="3" name="Ссылка на слайд 2"/>
@@ -3039,7 +3004,7 @@
                   <pslz:sldZmObj sldId="256" cId="3660270599">
                     <pslz:zmPr id="{74F9AC88-4CE9-469A-9728-B3A8F58B68AB}" returnToParent="0" transitionDur="1000">
                       <p166:blipFill xmlns:p166="http://schemas.microsoft.com/office/powerpoint/2016/6/main">
-                        <a:blip r:embed="rId3"/>
+                        <a:blip r:embed="rId2"/>
                         <a:stretch>
                           <a:fillRect/>
                         </a:stretch>
@@ -3065,7 +3030,7 @@
             </a:graphic>
           </p:graphicFrame>
         </mc:Choice>
-        <mc:Fallback>
+        <mc:Fallback xmlns="">
           <p:pic>
             <p:nvPicPr>
               <p:cNvPr id="3" name="Ссылка на слайд 2">
@@ -3099,65 +3064,119 @@
           </p:pic>
         </mc:Fallback>
       </mc:AlternateContent>
-      <p:sp>
-        <p:nvSpPr>
-          <p:cNvPr id="6" name="TextBox 5"/>
-          <p:cNvSpPr txBox="1"/>
+      <p:grpSp>
+        <p:nvGrpSpPr>
+          <p:cNvPr id="2" name="Группа 1"/>
+          <p:cNvGrpSpPr/>
           <p:nvPr/>
-        </p:nvSpPr>
-        <p:spPr>
+        </p:nvGrpSpPr>
+        <p:grpSpPr>
           <a:xfrm>
-            <a:off x="900603" y="-112816"/>
-            <a:ext cx="2055371" cy="1384995"/>
+            <a:off x="62739" y="-112816"/>
+            <a:ext cx="2893235" cy="1384995"/>
+            <a:chOff x="62739" y="-112816"/>
+            <a:chExt cx="2893235" cy="1384995"/>
           </a:xfrm>
-          <a:prstGeom prst="rect">
-            <a:avLst/>
-          </a:prstGeom>
-          <a:noFill/>
-        </p:spPr>
-        <p:txBody>
-          <a:bodyPr wrap="none" rtlCol="0">
-            <a:spAutoFit/>
-          </a:bodyPr>
-          <a:lstStyle/>
-          <a:p>
-            <a:r>
-              <a:rPr lang="ru-RU" sz="2800" b="1" dirty="0">
-                <a:solidFill>
-                  <a:schemeClr val="accent1">
-                    <a:lumMod val="75000"/>
-                  </a:schemeClr>
-                </a:solidFill>
-              </a:rPr>
-              <a:t>Фонд</a:t>
-            </a:r>
-          </a:p>
-          <a:p>
-            <a:r>
-              <a:rPr lang="ru-RU" sz="2800" b="1" dirty="0">
-                <a:solidFill>
-                  <a:schemeClr val="accent1">
-                    <a:lumMod val="75000"/>
-                  </a:schemeClr>
-                </a:solidFill>
-              </a:rPr>
-              <a:t>Защиты</a:t>
-            </a:r>
-          </a:p>
-          <a:p>
-            <a:r>
-              <a:rPr lang="ru-RU" sz="2800" b="1" dirty="0">
-                <a:solidFill>
-                  <a:schemeClr val="accent1">
-                    <a:lumMod val="75000"/>
-                  </a:schemeClr>
-                </a:solidFill>
-              </a:rPr>
-              <a:t>Кредиторов</a:t>
-            </a:r>
-          </a:p>
-        </p:txBody>
-      </p:sp>
+        </p:grpSpPr>
+        <p:pic>
+          <p:nvPicPr>
+            <p:cNvPr id="1026" name="Picture 2" descr="http://citycelebrity.ru/userfiles/Favorite-V3-RU-Color.jpg"/>
+            <p:cNvPicPr>
+              <a:picLocks noChangeAspect="1" noChangeArrowheads="1"/>
+            </p:cNvPicPr>
+            <p:nvPr/>
+          </p:nvPicPr>
+          <p:blipFill rotWithShape="1">
+            <a:blip r:embed="rId5">
+              <a:extLst>
+                <a:ext uri="{28A0092B-C50C-407E-A947-70E740481C1C}">
+                  <a14:useLocalDpi xmlns:a14="http://schemas.microsoft.com/office/drawing/2010/main" val="0"/>
+                </a:ext>
+              </a:extLst>
+            </a:blip>
+            <a:srcRect r="82941"/>
+            <a:stretch/>
+          </p:blipFill>
+          <p:spPr bwMode="auto">
+            <a:xfrm>
+              <a:off x="62739" y="59377"/>
+              <a:ext cx="889267" cy="973597"/>
+            </a:xfrm>
+            <a:prstGeom prst="rect">
+              <a:avLst/>
+            </a:prstGeom>
+            <a:noFill/>
+            <a:extLst>
+              <a:ext uri="{909E8E84-426E-40DD-AFC4-6F175D3DCCD1}">
+                <a14:hiddenFill xmlns:a14="http://schemas.microsoft.com/office/drawing/2010/main">
+                  <a:solidFill>
+                    <a:srgbClr val="FFFFFF"/>
+                  </a:solidFill>
+                </a14:hiddenFill>
+              </a:ext>
+            </a:extLst>
+          </p:spPr>
+        </p:pic>
+        <p:sp>
+          <p:nvSpPr>
+            <p:cNvPr id="6" name="TextBox 5"/>
+            <p:cNvSpPr txBox="1"/>
+            <p:nvPr/>
+          </p:nvSpPr>
+          <p:spPr>
+            <a:xfrm>
+              <a:off x="900603" y="-112816"/>
+              <a:ext cx="2055371" cy="1384995"/>
+            </a:xfrm>
+            <a:prstGeom prst="rect">
+              <a:avLst/>
+            </a:prstGeom>
+            <a:noFill/>
+          </p:spPr>
+          <p:txBody>
+            <a:bodyPr wrap="none" rtlCol="0">
+              <a:spAutoFit/>
+            </a:bodyPr>
+            <a:lstStyle/>
+            <a:p>
+              <a:r>
+                <a:rPr lang="ru-RU" sz="2800" b="1" dirty="0">
+                  <a:solidFill>
+                    <a:schemeClr val="accent1">
+                      <a:lumMod val="75000"/>
+                    </a:schemeClr>
+                  </a:solidFill>
+                </a:rPr>
+                <a:t>Фонд</a:t>
+              </a:r>
+            </a:p>
+            <a:p>
+              <a:r>
+                <a:rPr lang="ru-RU" sz="2800" b="1" dirty="0">
+                  <a:solidFill>
+                    <a:schemeClr val="accent1">
+                      <a:lumMod val="75000"/>
+                    </a:schemeClr>
+                  </a:solidFill>
+                </a:rPr>
+                <a:t>Защиты</a:t>
+              </a:r>
+            </a:p>
+            <a:p>
+              <a:r>
+                <a:rPr lang="ru-RU" sz="2800" b="1" dirty="0">
+                  <a:solidFill>
+                    <a:schemeClr val="accent1">
+                      <a:lumMod val="75000"/>
+                    </a:schemeClr>
+                  </a:solidFill>
+                </a:rPr>
+                <a:t>Кредиторов</a:t>
+              </a:r>
+            </a:p>
+          </p:txBody>
+        </p:sp>
+      </p:grpSp>
     </p:spTree>
     <p:extLst>
       <p:ext uri="{BB962C8B-B14F-4D97-AF65-F5344CB8AC3E}">
@@ -3172,6 +3191,516 @@
 </file>
 
 <file path=ppt/slides/slide2.xml><?xml version="1.0" encoding="utf-8"?>
+<p:sld xmlns:a="http://schemas.openxmlformats.org/drawingml/2006/main" xmlns:r="http://schemas.openxmlformats.org/officeDocument/2006/relationships" xmlns:p="http://schemas.openxmlformats.org/presentationml/2006/main">
+  <p:cSld>
+    <p:spTree>
+      <p:nvGrpSpPr>
+        <p:cNvPr id="1" name=""/>
+        <p:cNvGrpSpPr/>
+        <p:nvPr/>
+      </p:nvGrpSpPr>
+      <p:grpSpPr>
+        <a:xfrm>
+          <a:off x="0" y="0"/>
+          <a:ext cx="0" cy="0"/>
+          <a:chOff x="0" y="0"/>
+          <a:chExt cx="0" cy="0"/>
+        </a:xfrm>
+      </p:grpSpPr>
+      <p:grpSp>
+        <p:nvGrpSpPr>
+          <p:cNvPr id="4" name="Группа 3"/>
+          <p:cNvGrpSpPr/>
+          <p:nvPr/>
+        </p:nvGrpSpPr>
+        <p:grpSpPr>
+          <a:xfrm>
+            <a:off x="-252368" y="-119768"/>
+            <a:ext cx="3278913" cy="1647721"/>
+            <a:chOff x="-252368" y="-119768"/>
+            <a:chExt cx="3278913" cy="1647721"/>
+          </a:xfrm>
+        </p:grpSpPr>
+        <p:sp>
+          <p:nvSpPr>
+            <p:cNvPr id="5" name="TextBox 4"/>
+            <p:cNvSpPr txBox="1"/>
+            <p:nvPr/>
+          </p:nvSpPr>
+          <p:spPr>
+            <a:xfrm>
+              <a:off x="1100505" y="73232"/>
+              <a:ext cx="1926040" cy="1292662"/>
+            </a:xfrm>
+            <a:prstGeom prst="rect">
+              <a:avLst/>
+            </a:prstGeom>
+            <a:noFill/>
+          </p:spPr>
+          <p:txBody>
+            <a:bodyPr wrap="none" rtlCol="0">
+              <a:spAutoFit/>
+            </a:bodyPr>
+            <a:lstStyle/>
+            <a:p>
+              <a:r>
+                <a:rPr lang="ru-RU" sz="2500" b="1" dirty="0">
+                  <a:solidFill>
+                    <a:schemeClr val="accent1">
+                      <a:lumMod val="75000"/>
+                    </a:schemeClr>
+                  </a:solidFill>
+                </a:rPr>
+                <a:t>Фонд</a:t>
+              </a:r>
+            </a:p>
+            <a:p>
+              <a:r>
+                <a:rPr lang="ru-RU" sz="2500" b="1" dirty="0">
+                  <a:solidFill>
+                    <a:schemeClr val="accent1">
+                      <a:lumMod val="75000"/>
+                    </a:schemeClr>
+                  </a:solidFill>
+                </a:rPr>
+                <a:t>Защиты</a:t>
+              </a:r>
+            </a:p>
+            <a:p>
+              <a:r>
+                <a:rPr lang="ru-RU" sz="2500" b="1" dirty="0">
+                  <a:solidFill>
+                    <a:schemeClr val="accent1">
+                      <a:lumMod val="75000"/>
+                    </a:schemeClr>
+                  </a:solidFill>
+                </a:rPr>
+                <a:t>Кредиторов</a:t>
+              </a:r>
+            </a:p>
+          </p:txBody>
+        </p:sp>
+        <p:pic>
+          <p:nvPicPr>
+            <p:cNvPr id="6" name="Picture 2" descr="Похожее изображение"/>
+            <p:cNvPicPr>
+              <a:picLocks noChangeAspect="1" noChangeArrowheads="1"/>
+            </p:cNvPicPr>
+            <p:nvPr/>
+          </p:nvPicPr>
+          <p:blipFill>
+            <a:blip r:embed="rId2">
+              <a:extLst>
+                <a:ext uri="{28A0092B-C50C-407E-A947-70E740481C1C}">
+                  <a14:useLocalDpi xmlns:a14="http://schemas.microsoft.com/office/drawing/2010/main" val="0"/>
+                </a:ext>
+              </a:extLst>
+            </a:blip>
+            <a:srcRect/>
+            <a:stretch>
+              <a:fillRect/>
+            </a:stretch>
+          </p:blipFill>
+          <p:spPr bwMode="auto">
+            <a:xfrm rot="16200000">
+              <a:off x="-252368" y="-119768"/>
+              <a:ext cx="1647721" cy="1647722"/>
+            </a:xfrm>
+            <a:prstGeom prst="rect">
+              <a:avLst/>
+            </a:prstGeom>
+            <a:noFill/>
+            <a:extLst>
+              <a:ext uri="{909E8E84-426E-40DD-AFC4-6F175D3DCCD1}">
+                <a14:hiddenFill xmlns:a14="http://schemas.microsoft.com/office/drawing/2010/main">
+                  <a:solidFill>
+                    <a:srgbClr val="FFFFFF"/>
+                  </a:solidFill>
+                </a14:hiddenFill>
+              </a:ext>
+            </a:extLst>
+          </p:spPr>
+        </p:pic>
+      </p:grpSp>
+    </p:spTree>
+    <p:extLst>
+      <p:ext uri="{BB962C8B-B14F-4D97-AF65-F5344CB8AC3E}">
+        <p14:creationId xmlns:p14="http://schemas.microsoft.com/office/powerpoint/2010/main" val="2393648448"/>
+      </p:ext>
+    </p:extLst>
+  </p:cSld>
+  <p:clrMapOvr>
+    <a:masterClrMapping/>
+  </p:clrMapOvr>
+</p:sld>
+</file>
+
+<file path=ppt/slides/slide3.xml><?xml version="1.0" encoding="utf-8"?>
+<p:sld xmlns:a="http://schemas.openxmlformats.org/drawingml/2006/main" xmlns:r="http://schemas.openxmlformats.org/officeDocument/2006/relationships" xmlns:p="http://schemas.openxmlformats.org/presentationml/2006/main">
+  <p:cSld>
+    <p:spTree>
+      <p:nvGrpSpPr>
+        <p:cNvPr id="1" name=""/>
+        <p:cNvGrpSpPr/>
+        <p:nvPr/>
+      </p:nvGrpSpPr>
+      <p:grpSpPr>
+        <a:xfrm>
+          <a:off x="0" y="0"/>
+          <a:ext cx="0" cy="0"/>
+          <a:chOff x="0" y="0"/>
+          <a:chExt cx="0" cy="0"/>
+        </a:xfrm>
+      </p:grpSpPr>
+      <p:sp>
+        <p:nvSpPr>
+          <p:cNvPr id="5" name="TextBox 4"/>
+          <p:cNvSpPr txBox="1"/>
+          <p:nvPr/>
+        </p:nvSpPr>
+        <p:spPr>
+          <a:xfrm>
+            <a:off x="1018942" y="15611"/>
+            <a:ext cx="2049857" cy="1297791"/>
+          </a:xfrm>
+          <a:prstGeom prst="rect">
+            <a:avLst/>
+          </a:prstGeom>
+          <a:noFill/>
+        </p:spPr>
+        <p:txBody>
+          <a:bodyPr wrap="none" rtlCol="0">
+            <a:spAutoFit/>
+          </a:bodyPr>
+          <a:lstStyle/>
+          <a:p>
+            <a:pPr>
+              <a:spcAft>
+                <a:spcPts val="200"/>
+              </a:spcAft>
+            </a:pPr>
+            <a:r>
+              <a:rPr lang="ru-RU" sz="2500" b="1" dirty="0">
+                <a:solidFill>
+                  <a:schemeClr val="accent1">
+                    <a:lumMod val="75000"/>
+                  </a:schemeClr>
+                </a:solidFill>
+              </a:rPr>
+              <a:t>ФОНД</a:t>
+            </a:r>
+          </a:p>
+          <a:p>
+            <a:pPr>
+              <a:spcAft>
+                <a:spcPts val="200"/>
+              </a:spcAft>
+            </a:pPr>
+            <a:r>
+              <a:rPr lang="ru-RU" sz="2500" b="1" dirty="0">
+                <a:solidFill>
+                  <a:schemeClr val="accent1">
+                    <a:lumMod val="75000"/>
+                  </a:schemeClr>
+                </a:solidFill>
+              </a:rPr>
+              <a:t>ЗАЩИТЫ</a:t>
+            </a:r>
+          </a:p>
+          <a:p>
+            <a:pPr>
+              <a:spcAft>
+                <a:spcPts val="100"/>
+              </a:spcAft>
+            </a:pPr>
+            <a:r>
+              <a:rPr lang="ru-RU" sz="2500" b="1" dirty="0">
+                <a:solidFill>
+                  <a:schemeClr val="accent1">
+                    <a:lumMod val="75000"/>
+                  </a:schemeClr>
+                </a:solidFill>
+              </a:rPr>
+              <a:t>КРЕДИТОРОВ</a:t>
+            </a:r>
+          </a:p>
+        </p:txBody>
+      </p:sp>
+      <p:pic>
+        <p:nvPicPr>
+          <p:cNvPr id="6" name="Picture 2" descr="Похожее изображение"/>
+          <p:cNvPicPr>
+            <a:picLocks noChangeAspect="1" noChangeArrowheads="1"/>
+          </p:cNvPicPr>
+          <p:nvPr/>
+        </p:nvPicPr>
+        <p:blipFill>
+          <a:blip r:embed="rId2">
+            <a:extLst>
+              <a:ext uri="{28A0092B-C50C-407E-A947-70E740481C1C}">
+                <a14:useLocalDpi xmlns:a14="http://schemas.microsoft.com/office/drawing/2010/main" val="0"/>
+              </a:ext>
+            </a:extLst>
+          </a:blip>
+          <a:srcRect/>
+          <a:stretch>
+            <a:fillRect/>
+          </a:stretch>
+        </p:blipFill>
+        <p:spPr bwMode="auto">
+          <a:xfrm rot="16200000">
+            <a:off x="-252367" y="-119769"/>
+            <a:ext cx="1568552" cy="1568553"/>
+          </a:xfrm>
+          <a:prstGeom prst="rect">
+            <a:avLst/>
+          </a:prstGeom>
+          <a:noFill/>
+          <a:extLst>
+            <a:ext uri="{909E8E84-426E-40DD-AFC4-6F175D3DCCD1}">
+              <a14:hiddenFill xmlns:a14="http://schemas.microsoft.com/office/drawing/2010/main">
+                <a:solidFill>
+                  <a:srgbClr val="FFFFFF"/>
+                </a:solidFill>
+              </a14:hiddenFill>
+            </a:ext>
+          </a:extLst>
+        </p:spPr>
+      </p:pic>
+      <p:cxnSp>
+        <p:nvCxnSpPr>
+          <p:cNvPr id="7" name="Прямая соединительная линия 6"/>
+          <p:cNvCxnSpPr/>
+          <p:nvPr/>
+        </p:nvCxnSpPr>
+        <p:spPr>
+          <a:xfrm flipV="1">
+            <a:off x="0" y="122712"/>
+            <a:ext cx="2974769" cy="17813"/>
+          </a:xfrm>
+          <a:prstGeom prst="line">
+            <a:avLst/>
+          </a:prstGeom>
+        </p:spPr>
+        <p:style>
+          <a:lnRef idx="1">
+            <a:schemeClr val="accent1"/>
+          </a:lnRef>
+          <a:fillRef idx="0">
+            <a:schemeClr val="accent1"/>
+          </a:fillRef>
+          <a:effectRef idx="0">
+            <a:schemeClr val="accent1"/>
+          </a:effectRef>
+          <a:fontRef idx="minor">
+            <a:schemeClr val="tx1"/>
+          </a:fontRef>
+        </p:style>
+      </p:cxnSp>
+      <p:cxnSp>
+        <p:nvCxnSpPr>
+          <p:cNvPr id="8" name="Прямая соединительная линия 7"/>
+          <p:cNvCxnSpPr/>
+          <p:nvPr/>
+        </p:nvCxnSpPr>
+        <p:spPr>
+          <a:xfrm flipV="1">
+            <a:off x="-79169" y="1171699"/>
+            <a:ext cx="2974769" cy="17813"/>
+          </a:xfrm>
+          <a:prstGeom prst="line">
+            <a:avLst/>
+          </a:prstGeom>
+        </p:spPr>
+        <p:style>
+          <a:lnRef idx="1">
+            <a:schemeClr val="accent1"/>
+          </a:lnRef>
+          <a:fillRef idx="0">
+            <a:schemeClr val="accent1"/>
+          </a:fillRef>
+          <a:effectRef idx="0">
+            <a:schemeClr val="accent1"/>
+          </a:effectRef>
+          <a:fontRef idx="minor">
+            <a:schemeClr val="tx1"/>
+          </a:fontRef>
+        </p:style>
+      </p:cxnSp>
+    </p:spTree>
+    <p:extLst>
+      <p:ext uri="{BB962C8B-B14F-4D97-AF65-F5344CB8AC3E}">
+        <p14:creationId xmlns:p14="http://schemas.microsoft.com/office/powerpoint/2010/main" val="453583499"/>
+      </p:ext>
+    </p:extLst>
+  </p:cSld>
+  <p:clrMapOvr>
+    <a:masterClrMapping/>
+  </p:clrMapOvr>
+</p:sld>
+</file>
+
+<file path=ppt/slides/slide4.xml><?xml version="1.0" encoding="utf-8"?>
+<p:sld xmlns:a="http://schemas.openxmlformats.org/drawingml/2006/main" xmlns:r="http://schemas.openxmlformats.org/officeDocument/2006/relationships" xmlns:p="http://schemas.openxmlformats.org/presentationml/2006/main">
+  <p:cSld>
+    <p:spTree>
+      <p:nvGrpSpPr>
+        <p:cNvPr id="1" name=""/>
+        <p:cNvGrpSpPr/>
+        <p:nvPr/>
+      </p:nvGrpSpPr>
+      <p:grpSpPr>
+        <a:xfrm>
+          <a:off x="0" y="0"/>
+          <a:ext cx="0" cy="0"/>
+          <a:chOff x="0" y="0"/>
+          <a:chExt cx="0" cy="0"/>
+        </a:xfrm>
+      </p:grpSpPr>
+      <p:grpSp>
+        <p:nvGrpSpPr>
+          <p:cNvPr id="2" name="Группа 1"/>
+          <p:cNvGrpSpPr/>
+          <p:nvPr/>
+        </p:nvGrpSpPr>
+        <p:grpSpPr>
+          <a:xfrm>
+            <a:off x="-252368" y="-119768"/>
+            <a:ext cx="3321167" cy="1568552"/>
+            <a:chOff x="-252368" y="-119768"/>
+            <a:chExt cx="3321167" cy="1568552"/>
+          </a:xfrm>
+        </p:grpSpPr>
+        <p:sp>
+          <p:nvSpPr>
+            <p:cNvPr id="5" name="TextBox 4"/>
+            <p:cNvSpPr txBox="1"/>
+            <p:nvPr/>
+          </p:nvSpPr>
+          <p:spPr>
+            <a:xfrm>
+              <a:off x="1018942" y="15611"/>
+              <a:ext cx="2049857" cy="1297791"/>
+            </a:xfrm>
+            <a:prstGeom prst="rect">
+              <a:avLst/>
+            </a:prstGeom>
+            <a:noFill/>
+          </p:spPr>
+          <p:txBody>
+            <a:bodyPr wrap="none" rtlCol="0">
+              <a:spAutoFit/>
+            </a:bodyPr>
+            <a:lstStyle/>
+            <a:p>
+              <a:pPr>
+                <a:spcAft>
+                  <a:spcPts val="200"/>
+                </a:spcAft>
+              </a:pPr>
+              <a:r>
+                <a:rPr lang="ru-RU" sz="2500" b="1" dirty="0">
+                  <a:solidFill>
+                    <a:schemeClr val="accent1">
+                      <a:lumMod val="75000"/>
+                    </a:schemeClr>
+                  </a:solidFill>
+                </a:rPr>
+                <a:t>ФОНД</a:t>
+              </a:r>
+            </a:p>
+            <a:p>
+              <a:pPr>
+                <a:spcAft>
+                  <a:spcPts val="200"/>
+                </a:spcAft>
+              </a:pPr>
+              <a:r>
+                <a:rPr lang="ru-RU" sz="2500" b="1" dirty="0">
+                  <a:solidFill>
+                    <a:schemeClr val="accent1">
+                      <a:lumMod val="75000"/>
+                    </a:schemeClr>
+                  </a:solidFill>
+                </a:rPr>
+                <a:t>ЗАЩИТЫ</a:t>
+              </a:r>
+            </a:p>
+            <a:p>
+              <a:pPr>
+                <a:spcAft>
+                  <a:spcPts val="100"/>
+                </a:spcAft>
+              </a:pPr>
+              <a:r>
+                <a:rPr lang="ru-RU" sz="2500" b="1" dirty="0">
+                  <a:solidFill>
+                    <a:schemeClr val="accent1">
+                      <a:lumMod val="75000"/>
+                    </a:schemeClr>
+                  </a:solidFill>
+                </a:rPr>
+                <a:t>КРЕДИТОРОВ</a:t>
+              </a:r>
+            </a:p>
+          </p:txBody>
+        </p:sp>
+        <p:pic>
+          <p:nvPicPr>
+            <p:cNvPr id="6" name="Picture 2" descr="Похожее изображение"/>
+            <p:cNvPicPr>
+              <a:picLocks noChangeAspect="1" noChangeArrowheads="1"/>
+            </p:cNvPicPr>
+            <p:nvPr/>
+          </p:nvPicPr>
+          <p:blipFill>
+            <a:blip r:embed="rId2">
+              <a:extLst>
+                <a:ext uri="{28A0092B-C50C-407E-A947-70E740481C1C}">
+                  <a14:useLocalDpi xmlns:a14="http://schemas.microsoft.com/office/drawing/2010/main" val="0"/>
+                </a:ext>
+              </a:extLst>
+            </a:blip>
+            <a:srcRect/>
+            <a:stretch>
+              <a:fillRect/>
+            </a:stretch>
+          </p:blipFill>
+          <p:spPr bwMode="auto">
+            <a:xfrm rot="16200000">
+              <a:off x="-252367" y="-119769"/>
+              <a:ext cx="1568552" cy="1568553"/>
+            </a:xfrm>
+            <a:prstGeom prst="rect">
+              <a:avLst/>
+            </a:prstGeom>
+            <a:noFill/>
+            <a:extLst>
+              <a:ext uri="{909E8E84-426E-40DD-AFC4-6F175D3DCCD1}">
+                <a14:hiddenFill xmlns:a14="http://schemas.microsoft.com/office/drawing/2010/main">
+                  <a:solidFill>
+                    <a:srgbClr val="FFFFFF"/>
+                  </a:solidFill>
+                </a14:hiddenFill>
+              </a:ext>
+            </a:extLst>
+          </p:spPr>
+        </p:pic>
+      </p:grpSp>
+    </p:spTree>
+    <p:extLst>
+      <p:ext uri="{BB962C8B-B14F-4D97-AF65-F5344CB8AC3E}">
+        <p14:creationId xmlns:p14="http://schemas.microsoft.com/office/powerpoint/2010/main" val="238079891"/>
+      </p:ext>
+    </p:extLst>
+  </p:cSld>
+  <p:clrMapOvr>
+    <a:masterClrMapping/>
+  </p:clrMapOvr>
+</p:sld>
+</file>
+
+<file path=ppt/slides/slide5.xml><?xml version="1.0" encoding="utf-8"?>
 <p:sld xmlns:a="http://schemas.openxmlformats.org/drawingml/2006/main" xmlns:r="http://schemas.openxmlformats.org/officeDocument/2006/relationships" xmlns:p="http://schemas.openxmlformats.org/presentationml/2006/main">
   <p:cSld>
     <p:bg>
@@ -3380,6 +3909,74 @@
     <p:extLst>
       <p:ext uri="{BB962C8B-B14F-4D97-AF65-F5344CB8AC3E}">
         <p14:creationId xmlns:p14="http://schemas.microsoft.com/office/powerpoint/2010/main" val="3660270599"/>
+      </p:ext>
+    </p:extLst>
+  </p:cSld>
+  <p:clrMapOvr>
+    <a:masterClrMapping/>
+  </p:clrMapOvr>
+</p:sld>
+</file>
+
+<file path=ppt/slides/slide6.xml><?xml version="1.0" encoding="utf-8"?>
+<p:sld xmlns:a="http://schemas.openxmlformats.org/drawingml/2006/main" xmlns:r="http://schemas.openxmlformats.org/officeDocument/2006/relationships" xmlns:p="http://schemas.openxmlformats.org/presentationml/2006/main">
+  <p:cSld>
+    <p:spTree>
+      <p:nvGrpSpPr>
+        <p:cNvPr id="1" name=""/>
+        <p:cNvGrpSpPr/>
+        <p:nvPr/>
+      </p:nvGrpSpPr>
+      <p:grpSpPr>
+        <a:xfrm>
+          <a:off x="0" y="0"/>
+          <a:ext cx="0" cy="0"/>
+          <a:chOff x="0" y="0"/>
+          <a:chExt cx="0" cy="0"/>
+        </a:xfrm>
+      </p:grpSpPr>
+      <p:sp>
+        <p:nvSpPr>
+          <p:cNvPr id="2" name="Заголовок 1"/>
+          <p:cNvSpPr>
+            <a:spLocks noGrp="1"/>
+          </p:cNvSpPr>
+          <p:nvPr>
+            <p:ph type="title"/>
+          </p:nvPr>
+        </p:nvSpPr>
+        <p:spPr/>
+        <p:txBody>
+          <a:bodyPr/>
+          <a:lstStyle/>
+          <a:p>
+            <a:endParaRPr lang="ru-RU"/>
+          </a:p>
+        </p:txBody>
+      </p:sp>
+      <p:sp>
+        <p:nvSpPr>
+          <p:cNvPr id="3" name="Объект 2"/>
+          <p:cNvSpPr>
+            <a:spLocks noGrp="1"/>
+          </p:cNvSpPr>
+          <p:nvPr>
+            <p:ph idx="1"/>
+          </p:nvPr>
+        </p:nvSpPr>
+        <p:spPr/>
+        <p:txBody>
+          <a:bodyPr/>
+          <a:lstStyle/>
+          <a:p>
+            <a:endParaRPr lang="ru-RU"/>
+          </a:p>
+        </p:txBody>
+      </p:sp>
+    </p:spTree>
+    <p:extLst>
+      <p:ext uri="{BB962C8B-B14F-4D97-AF65-F5344CB8AC3E}">
+        <p14:creationId xmlns:p14="http://schemas.microsoft.com/office/powerpoint/2010/main" val="2787808629"/>
       </p:ext>
     </p:extLst>
   </p:cSld>
